--- a/Calorimetric Efficiency Measurement.pptx
+++ b/Calorimetric Efficiency Measurement.pptx
@@ -5,7 +5,7 @@
     <p:sldMasterId id="2147483648" r:id="rId1"/>
   </p:sldMasterIdLst>
   <p:notesMasterIdLst>
-    <p:notesMasterId r:id="rId12"/>
+    <p:notesMasterId r:id="rId13"/>
   </p:notesMasterIdLst>
   <p:sldIdLst>
     <p:sldId id="256" r:id="rId2"/>
@@ -18,6 +18,7 @@
     <p:sldId id="263" r:id="rId9"/>
     <p:sldId id="264" r:id="rId10"/>
     <p:sldId id="265" r:id="rId11"/>
+    <p:sldId id="266" r:id="rId12"/>
   </p:sldIdLst>
   <p:sldSz cx="12192000" cy="6858000"/>
   <p:notesSz cx="6858000" cy="9144000"/>
@@ -116,6 +117,11 @@
       </a:defRPr>
     </a:lvl9pPr>
   </p:defaultTextStyle>
+  <p:extLst>
+    <p:ext uri="{EFAFB233-063F-42B5-8137-9DF3F51BA10A}">
+      <p15:sldGuideLst xmlns:p15="http://schemas.microsoft.com/office/powerpoint/2012/main"/>
+    </p:ext>
+  </p:extLst>
 </p:presentation>
 </file>
 
@@ -3520,6 +3526,176 @@
     <p:extLst>
       <p:ext uri="{BB962C8B-B14F-4D97-AF65-F5344CB8AC3E}">
         <p14:creationId xmlns:p14="http://schemas.microsoft.com/office/powerpoint/2010/main" val="3190774008"/>
+      </p:ext>
+    </p:extLst>
+  </p:cSld>
+  <p:clrMapOvr>
+    <a:masterClrMapping/>
+  </p:clrMapOvr>
+</p:sld>
+</file>
+
+<file path=ppt/slides/slide11.xml><?xml version="1.0" encoding="utf-8"?>
+<p:sld xmlns:a="http://schemas.openxmlformats.org/drawingml/2006/main" xmlns:r="http://schemas.openxmlformats.org/officeDocument/2006/relationships" xmlns:p="http://schemas.openxmlformats.org/presentationml/2006/main">
+  <p:cSld>
+    <p:spTree>
+      <p:nvGrpSpPr>
+        <p:cNvPr id="1" name=""/>
+        <p:cNvGrpSpPr/>
+        <p:nvPr/>
+      </p:nvGrpSpPr>
+      <p:grpSpPr>
+        <a:xfrm>
+          <a:off x="0" y="0"/>
+          <a:ext cx="0" cy="0"/>
+          <a:chOff x="0" y="0"/>
+          <a:chExt cx="0" cy="0"/>
+        </a:xfrm>
+      </p:grpSpPr>
+      <p:sp>
+        <p:nvSpPr>
+          <p:cNvPr id="7" name="Slide Number Placeholder 6"/>
+          <p:cNvSpPr>
+            <a:spLocks noGrp="1"/>
+          </p:cNvSpPr>
+          <p:nvPr>
+            <p:ph type="sldNum" sz="quarter" idx="12"/>
+          </p:nvPr>
+        </p:nvSpPr>
+        <p:spPr/>
+        <p:txBody>
+          <a:bodyPr/>
+          <a:lstStyle/>
+          <a:p>
+            <a:fld id="{BBFEE180-2312-4DBE-B40C-87A6754701F2}" type="slidenum">
+              <a:rPr lang="tr-TR" smtClean="0"/>
+              <a:t>11</a:t>
+            </a:fld>
+            <a:endParaRPr lang="tr-TR"/>
+          </a:p>
+        </p:txBody>
+      </p:sp>
+      <p:sp>
+        <p:nvSpPr>
+          <p:cNvPr id="3" name="TextBox 2"/>
+          <p:cNvSpPr txBox="1"/>
+          <p:nvPr/>
+        </p:nvSpPr>
+        <p:spPr>
+          <a:xfrm>
+            <a:off x="756138" y="509954"/>
+            <a:ext cx="10383716" cy="1754326"/>
+          </a:xfrm>
+          <a:prstGeom prst="rect">
+            <a:avLst/>
+          </a:prstGeom>
+          <a:noFill/>
+        </p:spPr>
+        <p:txBody>
+          <a:bodyPr wrap="square" rtlCol="0">
+            <a:spAutoFit/>
+          </a:bodyPr>
+          <a:lstStyle/>
+          <a:p>
+            <a:r>
+              <a:rPr lang="tr-TR" b="1" dirty="0" smtClean="0"/>
+              <a:t>References</a:t>
+            </a:r>
+          </a:p>
+          <a:p>
+            <a:pPr marL="342900" indent="-342900">
+              <a:buAutoNum type="arabicParenR"/>
+            </a:pPr>
+            <a:r>
+              <a:rPr lang="en-US" dirty="0" smtClean="0"/>
+              <a:t>High-Power </a:t>
+            </a:r>
+            <a:r>
+              <a:rPr lang="en-US" dirty="0"/>
+              <a:t>Solar Inverter Efficiency Measurements by Calorimetric and Electric </a:t>
+            </a:r>
+            <a:r>
+              <a:rPr lang="en-US" dirty="0" smtClean="0"/>
+              <a:t>Methods</a:t>
+            </a:r>
+            <a:r>
+              <a:rPr lang="tr-TR" dirty="0" smtClean="0"/>
+              <a:t>, </a:t>
+            </a:r>
+            <a:r>
+              <a:rPr lang="fi-FI" dirty="0"/>
+              <a:t>Lassi Aarniovuori, Antti Kosonen, Pekka </a:t>
+            </a:r>
+            <a:r>
+              <a:rPr lang="fi-FI" dirty="0" smtClean="0"/>
+              <a:t>Sillanpa</a:t>
+            </a:r>
+            <a:r>
+              <a:rPr lang="tr-TR" dirty="0" smtClean="0"/>
+              <a:t>a</a:t>
+            </a:r>
+            <a:r>
+              <a:rPr lang="fi-FI" dirty="0" smtClean="0"/>
+              <a:t>a</a:t>
+            </a:r>
+            <a:r>
+              <a:rPr lang="fi-FI" dirty="0"/>
+              <a:t>, and Markku </a:t>
+            </a:r>
+            <a:r>
+              <a:rPr lang="fi-FI" dirty="0" smtClean="0"/>
+              <a:t>Niemel</a:t>
+            </a:r>
+            <a:r>
+              <a:rPr lang="tr-TR" dirty="0" smtClean="0"/>
+              <a:t>a</a:t>
+            </a:r>
+          </a:p>
+          <a:p>
+            <a:pPr marL="342900" indent="-342900">
+              <a:buAutoNum type="arabicParenR"/>
+            </a:pPr>
+            <a:r>
+              <a:rPr lang="en-US" dirty="0"/>
+              <a:t>Development of a High-Precision Calorimeter for Measuring Power Loss in Electrical </a:t>
+            </a:r>
+            <a:r>
+              <a:rPr lang="en-US" dirty="0" smtClean="0"/>
+              <a:t>Machines</a:t>
+            </a:r>
+            <a:r>
+              <a:rPr lang="tr-TR" dirty="0" smtClean="0"/>
+              <a:t>, Wenping Cao</a:t>
+            </a:r>
+          </a:p>
+          <a:p>
+            <a:pPr marL="342900" indent="-342900">
+              <a:buAutoNum type="arabicParenR"/>
+            </a:pPr>
+            <a:r>
+              <a:rPr lang="en-US" dirty="0"/>
+              <a:t>A REVIEW OF CALORIMETRIC APPLICATION FOR ACCURATE POWER LOSS </a:t>
+            </a:r>
+            <a:r>
+              <a:rPr lang="en-US" dirty="0" smtClean="0"/>
+              <a:t>MEASUREMENT</a:t>
+            </a:r>
+            <a:r>
+              <a:rPr lang="tr-TR" dirty="0" smtClean="0"/>
+              <a:t>, W. </a:t>
+            </a:r>
+            <a:r>
+              <a:rPr lang="tr-TR" smtClean="0"/>
+              <a:t>Cao</a:t>
+            </a:r>
+            <a:endParaRPr lang="tr-TR" dirty="0"/>
+          </a:p>
+        </p:txBody>
+      </p:sp>
+    </p:spTree>
+    <p:extLst>
+      <p:ext uri="{BB962C8B-B14F-4D97-AF65-F5344CB8AC3E}">
+        <p14:creationId xmlns:p14="http://schemas.microsoft.com/office/powerpoint/2010/main" val="1099218650"/>
       </p:ext>
     </p:extLst>
   </p:cSld>
